--- a/PPT_CA1/Data Management - CA1 - AML WLM Ethics - Student Ciaran Finnegan d21124026 v1-7 280222.pptx
+++ b/PPT_CA1/Data Management - CA1 - AML WLM Ethics - Student Ciaran Finnegan d21124026 v1-7 280222.pptx
@@ -10463,7 +10463,7 @@
               <a:rPr lang="en-GB" altLang="en-US" sz="1400" i="1" dirty="0">
                 <a:ea typeface="굴림" charset="-127"/>
               </a:rPr>
-              <a:t>A false positive result generates unnecessary, and expensive, workload for company investigators and may unfairly deliver poor service to a customer.</a:t>
+              <a:t>A false positive result generates unnecessary, and expensive, workloads for company investigators and may unfairly deliver poor service to a customer.</a:t>
             </a:r>
           </a:p>
           <a:p>

--- a/PPT_CA1/Data Management - CA1 - AML WLM Ethics - Student Ciaran Finnegan d21124026 v1-7 280222.pptx
+++ b/PPT_CA1/Data Management - CA1 - AML WLM Ethics - Student Ciaran Finnegan d21124026 v1-7 280222.pptx
@@ -919,6 +919,91 @@
 </p:notes>
 </file>
 
+<file path=ppt/notesSlides/notesSlide10.xml><?xml version="1.0" encoding="utf-8"?>
+<p:notes xmlns:a="http://schemas.openxmlformats.org/drawingml/2006/main" xmlns:r="http://schemas.openxmlformats.org/officeDocument/2006/relationships" xmlns:p="http://schemas.openxmlformats.org/presentationml/2006/main">
+  <p:cSld>
+    <p:spTree>
+      <p:nvGrpSpPr>
+        <p:cNvPr id="1" name=""/>
+        <p:cNvGrpSpPr/>
+        <p:nvPr/>
+      </p:nvGrpSpPr>
+      <p:grpSpPr>
+        <a:xfrm>
+          <a:off x="0" y="0"/>
+          <a:ext cx="0" cy="0"/>
+          <a:chOff x="0" y="0"/>
+          <a:chExt cx="0" cy="0"/>
+        </a:xfrm>
+      </p:grpSpPr>
+      <p:sp>
+        <p:nvSpPr>
+          <p:cNvPr id="2" name="Slide Image Placeholder 1"/>
+          <p:cNvSpPr>
+            <a:spLocks noGrp="1" noRot="1" noChangeAspect="1"/>
+          </p:cNvSpPr>
+          <p:nvPr>
+            <p:ph type="sldImg"/>
+          </p:nvPr>
+        </p:nvSpPr>
+        <p:spPr/>
+      </p:sp>
+      <p:sp>
+        <p:nvSpPr>
+          <p:cNvPr id="3" name="Notes Placeholder 2"/>
+          <p:cNvSpPr>
+            <a:spLocks noGrp="1"/>
+          </p:cNvSpPr>
+          <p:nvPr>
+            <p:ph type="body" idx="1"/>
+          </p:nvPr>
+        </p:nvSpPr>
+        <p:spPr/>
+        <p:txBody>
+          <a:bodyPr/>
+          <a:lstStyle/>
+          <a:p>
+            <a:endParaRPr lang="en-IE" dirty="0"/>
+          </a:p>
+        </p:txBody>
+      </p:sp>
+      <p:sp>
+        <p:nvSpPr>
+          <p:cNvPr id="4" name="Slide Number Placeholder 3"/>
+          <p:cNvSpPr>
+            <a:spLocks noGrp="1"/>
+          </p:cNvSpPr>
+          <p:nvPr>
+            <p:ph type="sldNum" sz="quarter" idx="5"/>
+          </p:nvPr>
+        </p:nvSpPr>
+        <p:spPr/>
+        <p:txBody>
+          <a:bodyPr/>
+          <a:lstStyle/>
+          <a:p>
+            <a:fld id="{1251B4CB-6C3D-41AB-9B53-EA6E6087EAE6}" type="slidenum">
+              <a:rPr lang="ru-RU" altLang="en-US" smtClean="0"/>
+              <a:pPr/>
+              <a:t>13</a:t>
+            </a:fld>
+            <a:endParaRPr lang="ru-RU" altLang="en-US"/>
+          </a:p>
+        </p:txBody>
+      </p:sp>
+    </p:spTree>
+    <p:extLst>
+      <p:ext uri="{BB962C8B-B14F-4D97-AF65-F5344CB8AC3E}">
+        <p14:creationId xmlns:p14="http://schemas.microsoft.com/office/powerpoint/2010/main" val="3926109790"/>
+      </p:ext>
+    </p:extLst>
+  </p:cSld>
+  <p:clrMapOvr>
+    <a:masterClrMapping/>
+  </p:clrMapOvr>
+</p:notes>
+</file>
+
 <file path=ppt/notesSlides/notesSlide2.xml><?xml version="1.0" encoding="utf-8"?>
 <p:notes xmlns:a="http://schemas.openxmlformats.org/drawingml/2006/main" xmlns:r="http://schemas.openxmlformats.org/officeDocument/2006/relationships" xmlns:p="http://schemas.openxmlformats.org/presentationml/2006/main">
   <p:cSld>
@@ -1599,7 +1684,7 @@
             </a:pPr>
             <a:r>
               <a:rPr lang="en-IE" dirty="0"/>
-              <a:t>It goes without saying that individuals rarely ask to added to a Watch List, or give their consent. </a:t>
+              <a:t>It goes without saying that individuals rarely ask to be added to a Watch List, or give their consent. </a:t>
             </a:r>
           </a:p>
           <a:p>
@@ -10113,7 +10198,7 @@
           <p:nvPr/>
         </p:nvPicPr>
         <p:blipFill>
-          <a:blip r:embed="rId2">
+          <a:blip r:embed="rId3">
             <a:extLst>
               <a:ext uri="{28A0092B-C50C-407E-A947-70E740481C1C}">
                 <a14:useLocalDpi xmlns:a14="http://schemas.microsoft.com/office/drawing/2010/main" val="0"/>
